--- a/汇报/9-12keycloak受众注入攻击汇报/9-12汇报.pptx
+++ b/汇报/9-12keycloak受众注入攻击汇报/9-12汇报.pptx
@@ -7,9 +7,10 @@
   <p:sldIdLst>
     <p:sldId id="256" r:id="rId3"/>
     <p:sldId id="258" r:id="rId4"/>
-    <p:sldId id="259" r:id="rId5"/>
-    <p:sldId id="260" r:id="rId6"/>
+    <p:sldId id="262" r:id="rId5"/>
+    <p:sldId id="259" r:id="rId6"/>
     <p:sldId id="261" r:id="rId7"/>
+    <p:sldId id="263" r:id="rId8"/>
   </p:sldIdLst>
   <p:sldSz cx="12192000" cy="6858000"/>
   <p:notesSz cx="6858000" cy="9144000"/>
@@ -3235,7 +3236,7 @@
           <a:p>
             <a:r>
               <a:rPr lang="en-US" altLang="zh-CN"/>
-              <a:t>validateTokenAudience</a:t>
+              <a:t>validClient</a:t>
             </a:r>
             <a:endParaRPr lang="en-US" altLang="zh-CN"/>
           </a:p>
@@ -3243,7 +3244,7 @@
       </p:sp>
       <p:pic>
         <p:nvPicPr>
-          <p:cNvPr id="4" name="内容占位符 3" descr="validateTokenAudience图"/>
+          <p:cNvPr id="4" name="内容占位符 3"/>
           <p:cNvPicPr>
             <a:picLocks noChangeAspect="1"/>
           </p:cNvPicPr>
@@ -3259,8 +3260,8 @@
         </p:blipFill>
         <p:spPr>
           <a:xfrm>
-            <a:off x="1277620" y="2654935"/>
-            <a:ext cx="9629775" cy="2428875"/>
+            <a:off x="2520315" y="3279140"/>
+            <a:ext cx="7143750" cy="1181100"/>
           </a:xfrm>
           <a:prstGeom prst="rect">
             <a:avLst/>
@@ -3304,7 +3305,7 @@
           <a:p>
             <a:r>
               <a:rPr lang="en-US" altLang="zh-CN"/>
-              <a:t>getExpectedAudiences</a:t>
+              <a:t>validateTokenAudience</a:t>
             </a:r>
             <a:endParaRPr lang="en-US" altLang="zh-CN"/>
           </a:p>
@@ -3312,13 +3313,11 @@
       </p:sp>
       <p:pic>
         <p:nvPicPr>
-          <p:cNvPr id="4" name="内容占位符 3" descr="可接受的受众列表"/>
+          <p:cNvPr id="7" name="图片 6"/>
           <p:cNvPicPr>
             <a:picLocks noChangeAspect="1"/>
           </p:cNvPicPr>
-          <p:nvPr>
-            <p:ph idx="1"/>
-          </p:nvPr>
+          <p:nvPr/>
         </p:nvPicPr>
         <p:blipFill>
           <a:blip r:embed="rId1"/>
@@ -3328,77 +3327,8 @@
         </p:blipFill>
         <p:spPr>
           <a:xfrm>
-            <a:off x="1858645" y="2583815"/>
-            <a:ext cx="8467725" cy="2571750"/>
-          </a:xfrm>
-          <a:prstGeom prst="rect">
-            <a:avLst/>
-          </a:prstGeom>
-        </p:spPr>
-      </p:pic>
-    </p:spTree>
-    <p:custDataLst>
-      <p:tags r:id="rId2"/>
-    </p:custDataLst>
-  </p:cSld>
-  <p:clrMapOvr>
-    <a:masterClrMapping/>
-  </p:clrMapOvr>
-</p:sld>
-</file>
-
-<file path=ppt/slides/slide5.xml><?xml version="1.0" encoding="utf-8"?>
-<p:sld xmlns:a="http://schemas.openxmlformats.org/drawingml/2006/main" xmlns:r="http://schemas.openxmlformats.org/officeDocument/2006/relationships" xmlns:p="http://schemas.openxmlformats.org/presentationml/2006/main">
-  <p:cSld>
-    <p:spTree>
-      <p:nvGrpSpPr>
-        <p:cNvPr id="1" name=""/>
-        <p:cNvGrpSpPr/>
-        <p:nvPr/>
-      </p:nvGrpSpPr>
-      <p:grpSpPr/>
-      <p:sp>
-        <p:nvSpPr>
-          <p:cNvPr id="2" name="标题 1"/>
-          <p:cNvSpPr>
-            <a:spLocks noGrp="1"/>
-          </p:cNvSpPr>
-          <p:nvPr>
-            <p:ph type="title"/>
-          </p:nvPr>
-        </p:nvSpPr>
-        <p:spPr/>
-        <p:txBody>
-          <a:bodyPr/>
-          <a:p>
-            <a:r>
-              <a:rPr lang="en-US" altLang="zh-CN"/>
-              <a:t>validateToken</a:t>
-            </a:r>
-            <a:endParaRPr lang="en-US" altLang="zh-CN"/>
-          </a:p>
-        </p:txBody>
-      </p:sp>
-      <p:pic>
-        <p:nvPicPr>
-          <p:cNvPr id="5" name="内容占位符 4"/>
-          <p:cNvPicPr>
-            <a:picLocks noChangeAspect="1"/>
-          </p:cNvPicPr>
-          <p:nvPr>
-            <p:ph idx="1"/>
-          </p:nvPr>
-        </p:nvPicPr>
-        <p:blipFill>
-          <a:blip r:embed="rId1"/>
-          <a:stretch>
-            <a:fillRect/>
-          </a:stretch>
-        </p:blipFill>
-        <p:spPr>
-          <a:xfrm>
-            <a:off x="3858895" y="1735455"/>
-            <a:ext cx="4467225" cy="1447800"/>
+            <a:off x="1563370" y="3635375"/>
+            <a:ext cx="8399780" cy="2485390"/>
           </a:xfrm>
           <a:prstGeom prst="rect">
             <a:avLst/>
@@ -3407,11 +3337,13 @@
       </p:pic>
       <p:pic>
         <p:nvPicPr>
-          <p:cNvPr id="6" name="图片 5" descr="assertion时间设置"/>
+          <p:cNvPr id="9" name="内容占位符 8"/>
           <p:cNvPicPr>
             <a:picLocks noChangeAspect="1"/>
           </p:cNvPicPr>
-          <p:nvPr/>
+          <p:nvPr>
+            <p:ph idx="1"/>
+          </p:nvPr>
         </p:nvPicPr>
         <p:blipFill>
           <a:blip r:embed="rId2"/>
@@ -3421,8 +3353,8 @@
         </p:blipFill>
         <p:spPr>
           <a:xfrm>
-            <a:off x="3905250" y="3928110"/>
-            <a:ext cx="4381500" cy="581025"/>
+            <a:off x="1563370" y="1313815"/>
+            <a:ext cx="8399780" cy="2046605"/>
           </a:xfrm>
           <a:prstGeom prst="rect">
             <a:avLst/>
@@ -3440,6 +3372,196 @@
 </p:sld>
 </file>
 
+<file path=ppt/slides/slide5.xml><?xml version="1.0" encoding="utf-8"?>
+<p:sld xmlns:a="http://schemas.openxmlformats.org/drawingml/2006/main" xmlns:r="http://schemas.openxmlformats.org/officeDocument/2006/relationships" xmlns:p="http://schemas.openxmlformats.org/presentationml/2006/main">
+  <p:cSld>
+    <p:spTree>
+      <p:nvGrpSpPr>
+        <p:cNvPr id="1" name=""/>
+        <p:cNvGrpSpPr/>
+        <p:nvPr/>
+      </p:nvGrpSpPr>
+      <p:grpSpPr/>
+      <p:sp>
+        <p:nvSpPr>
+          <p:cNvPr id="2" name="标题 1"/>
+          <p:cNvSpPr>
+            <a:spLocks noGrp="1"/>
+          </p:cNvSpPr>
+          <p:nvPr>
+            <p:ph type="title"/>
+          </p:nvPr>
+        </p:nvSpPr>
+        <p:spPr/>
+        <p:txBody>
+          <a:bodyPr/>
+          <a:p>
+            <a:r>
+              <a:rPr lang="en-US" altLang="zh-CN"/>
+              <a:t>assertion</a:t>
+            </a:r>
+            <a:r>
+              <a:rPr lang="zh-CN" altLang="en-US"/>
+              <a:t>有效期</a:t>
+            </a:r>
+            <a:endParaRPr lang="zh-CN" altLang="en-US"/>
+          </a:p>
+        </p:txBody>
+      </p:sp>
+      <p:pic>
+        <p:nvPicPr>
+          <p:cNvPr id="7" name="内容占位符 6"/>
+          <p:cNvPicPr>
+            <a:picLocks noChangeAspect="1"/>
+          </p:cNvPicPr>
+          <p:nvPr>
+            <p:ph idx="1"/>
+          </p:nvPr>
+        </p:nvPicPr>
+        <p:blipFill>
+          <a:blip r:embed="rId1"/>
+          <a:stretch>
+            <a:fillRect/>
+          </a:stretch>
+        </p:blipFill>
+        <p:spPr>
+          <a:xfrm>
+            <a:off x="2525395" y="1313815"/>
+            <a:ext cx="7409815" cy="1414780"/>
+          </a:xfrm>
+          <a:prstGeom prst="rect">
+            <a:avLst/>
+          </a:prstGeom>
+        </p:spPr>
+      </p:pic>
+      <p:pic>
+        <p:nvPicPr>
+          <p:cNvPr id="8" name="图片 7"/>
+          <p:cNvPicPr>
+            <a:picLocks noChangeAspect="1"/>
+          </p:cNvPicPr>
+          <p:nvPr/>
+        </p:nvPicPr>
+        <p:blipFill>
+          <a:blip r:embed="rId2"/>
+          <a:stretch>
+            <a:fillRect/>
+          </a:stretch>
+        </p:blipFill>
+        <p:spPr>
+          <a:xfrm>
+            <a:off x="2525395" y="3120390"/>
+            <a:ext cx="7419975" cy="2743200"/>
+          </a:xfrm>
+          <a:prstGeom prst="rect">
+            <a:avLst/>
+          </a:prstGeom>
+        </p:spPr>
+      </p:pic>
+    </p:spTree>
+    <p:custDataLst>
+      <p:tags r:id="rId3"/>
+    </p:custDataLst>
+  </p:cSld>
+  <p:clrMapOvr>
+    <a:masterClrMapping/>
+  </p:clrMapOvr>
+</p:sld>
+</file>
+
+<file path=ppt/slides/slide6.xml><?xml version="1.0" encoding="utf-8"?>
+<p:sld xmlns:a="http://schemas.openxmlformats.org/drawingml/2006/main" xmlns:r="http://schemas.openxmlformats.org/officeDocument/2006/relationships" xmlns:p="http://schemas.openxmlformats.org/presentationml/2006/main">
+  <p:cSld>
+    <p:spTree>
+      <p:nvGrpSpPr>
+        <p:cNvPr id="1" name=""/>
+        <p:cNvGrpSpPr/>
+        <p:nvPr/>
+      </p:nvGrpSpPr>
+      <p:grpSpPr/>
+      <p:sp>
+        <p:nvSpPr>
+          <p:cNvPr id="2" name="标题 1"/>
+          <p:cNvSpPr>
+            <a:spLocks noGrp="1"/>
+          </p:cNvSpPr>
+          <p:nvPr>
+            <p:ph type="title"/>
+          </p:nvPr>
+        </p:nvSpPr>
+        <p:spPr/>
+        <p:txBody>
+          <a:bodyPr/>
+          <a:p>
+            <a:r>
+              <a:rPr lang="en-US" altLang="zh-CN"/>
+              <a:t>Audience Injection</a:t>
+            </a:r>
+            <a:endParaRPr lang="en-US" altLang="zh-CN"/>
+          </a:p>
+        </p:txBody>
+      </p:sp>
+      <p:pic>
+        <p:nvPicPr>
+          <p:cNvPr id="4" name="内容占位符 3"/>
+          <p:cNvPicPr>
+            <a:picLocks noChangeAspect="1"/>
+          </p:cNvPicPr>
+          <p:nvPr>
+            <p:ph idx="1"/>
+          </p:nvPr>
+        </p:nvPicPr>
+        <p:blipFill>
+          <a:blip r:embed="rId1"/>
+          <a:stretch>
+            <a:fillRect/>
+          </a:stretch>
+        </p:blipFill>
+        <p:spPr>
+          <a:xfrm>
+            <a:off x="688340" y="1252220"/>
+            <a:ext cx="4329430" cy="4759325"/>
+          </a:xfrm>
+          <a:prstGeom prst="rect">
+            <a:avLst/>
+          </a:prstGeom>
+        </p:spPr>
+      </p:pic>
+      <p:pic>
+        <p:nvPicPr>
+          <p:cNvPr id="5" name="图片 4"/>
+          <p:cNvPicPr>
+            <a:picLocks noChangeAspect="1"/>
+          </p:cNvPicPr>
+          <p:nvPr/>
+        </p:nvPicPr>
+        <p:blipFill>
+          <a:blip r:embed="rId2"/>
+          <a:stretch>
+            <a:fillRect/>
+          </a:stretch>
+        </p:blipFill>
+        <p:spPr>
+          <a:xfrm>
+            <a:off x="5367020" y="1653540"/>
+            <a:ext cx="6281420" cy="4155440"/>
+          </a:xfrm>
+          <a:prstGeom prst="rect">
+            <a:avLst/>
+          </a:prstGeom>
+        </p:spPr>
+      </p:pic>
+    </p:spTree>
+    <p:custDataLst>
+      <p:tags r:id="rId3"/>
+    </p:custDataLst>
+  </p:cSld>
+  <p:clrMapOvr>
+    <a:masterClrMapping/>
+  </p:clrMapOvr>
+</p:sld>
+</file>
+
 <file path=ppt/tags/tag1.xml><?xml version="1.0" encoding="utf-8"?>
 <p:tagLst xmlns:p="http://schemas.openxmlformats.org/presentationml/2006/main">
   <p:tag name="KSO_WM_UNIT_HIGHLIGHT" val="0"/>
@@ -4319,6 +4441,14 @@
   <p:tag name="KSO_WM_UNIT_LAYERLEVEL" val="1"/>
   <p:tag name="KSO_WM_TAG_VERSION" val="1.0"/>
   <p:tag name="KSO_WM_BEAUTIFY_FLAG" val="#wm#"/>
+</p:tagLst>
+</file>
+
+<file path=ppt/tags/tag70.xml><?xml version="1.0" encoding="utf-8"?>
+<p:tagLst xmlns:p="http://schemas.openxmlformats.org/presentationml/2006/main">
+  <p:tag name="KSO_WM_BEAUTIFY_FLAG" val="#wm#"/>
+  <p:tag name="KSO_WM_TEMPLATE_CATEGORY" val="custom"/>
+  <p:tag name="KSO_WM_TEMPLATE_INDEX" val="20205081"/>
 </p:tagLst>
 </file>
 
